--- a/evaluating-ai-agents.pptx
+++ b/evaluating-ai-agents.pptx
@@ -269,7 +269,7 @@
           <a:p>
             <a:fld id="{9F984A1A-F576-403E-81D7-74E1235F9109}" type="datetimeFigureOut">
               <a:rPr lang="en-GB" smtClean="0"/>
-              <a:t>02/07/2025</a:t>
+              <a:t>06/07/2025</a:t>
             </a:fld>
             <a:endParaRPr lang="en-GB"/>
           </a:p>
@@ -469,7 +469,7 @@
           <a:p>
             <a:fld id="{9F984A1A-F576-403E-81D7-74E1235F9109}" type="datetimeFigureOut">
               <a:rPr lang="en-GB" smtClean="0"/>
-              <a:t>02/07/2025</a:t>
+              <a:t>06/07/2025</a:t>
             </a:fld>
             <a:endParaRPr lang="en-GB"/>
           </a:p>
@@ -679,7 +679,7 @@
           <a:p>
             <a:fld id="{9F984A1A-F576-403E-81D7-74E1235F9109}" type="datetimeFigureOut">
               <a:rPr lang="en-GB" smtClean="0"/>
-              <a:t>02/07/2025</a:t>
+              <a:t>06/07/2025</a:t>
             </a:fld>
             <a:endParaRPr lang="en-GB"/>
           </a:p>
@@ -879,7 +879,7 @@
           <a:p>
             <a:fld id="{9F984A1A-F576-403E-81D7-74E1235F9109}" type="datetimeFigureOut">
               <a:rPr lang="en-GB" smtClean="0"/>
-              <a:t>02/07/2025</a:t>
+              <a:t>06/07/2025</a:t>
             </a:fld>
             <a:endParaRPr lang="en-GB"/>
           </a:p>
@@ -1155,7 +1155,7 @@
           <a:p>
             <a:fld id="{9F984A1A-F576-403E-81D7-74E1235F9109}" type="datetimeFigureOut">
               <a:rPr lang="en-GB" smtClean="0"/>
-              <a:t>02/07/2025</a:t>
+              <a:t>06/07/2025</a:t>
             </a:fld>
             <a:endParaRPr lang="en-GB"/>
           </a:p>
@@ -1423,7 +1423,7 @@
           <a:p>
             <a:fld id="{9F984A1A-F576-403E-81D7-74E1235F9109}" type="datetimeFigureOut">
               <a:rPr lang="en-GB" smtClean="0"/>
-              <a:t>02/07/2025</a:t>
+              <a:t>06/07/2025</a:t>
             </a:fld>
             <a:endParaRPr lang="en-GB"/>
           </a:p>
@@ -1838,7 +1838,7 @@
           <a:p>
             <a:fld id="{9F984A1A-F576-403E-81D7-74E1235F9109}" type="datetimeFigureOut">
               <a:rPr lang="en-GB" smtClean="0"/>
-              <a:t>02/07/2025</a:t>
+              <a:t>06/07/2025</a:t>
             </a:fld>
             <a:endParaRPr lang="en-GB"/>
           </a:p>
@@ -1980,7 +1980,7 @@
           <a:p>
             <a:fld id="{9F984A1A-F576-403E-81D7-74E1235F9109}" type="datetimeFigureOut">
               <a:rPr lang="en-GB" smtClean="0"/>
-              <a:t>02/07/2025</a:t>
+              <a:t>06/07/2025</a:t>
             </a:fld>
             <a:endParaRPr lang="en-GB"/>
           </a:p>
@@ -2093,7 +2093,7 @@
           <a:p>
             <a:fld id="{9F984A1A-F576-403E-81D7-74E1235F9109}" type="datetimeFigureOut">
               <a:rPr lang="en-GB" smtClean="0"/>
-              <a:t>02/07/2025</a:t>
+              <a:t>06/07/2025</a:t>
             </a:fld>
             <a:endParaRPr lang="en-GB"/>
           </a:p>
@@ -2406,7 +2406,7 @@
           <a:p>
             <a:fld id="{9F984A1A-F576-403E-81D7-74E1235F9109}" type="datetimeFigureOut">
               <a:rPr lang="en-GB" smtClean="0"/>
-              <a:t>02/07/2025</a:t>
+              <a:t>06/07/2025</a:t>
             </a:fld>
             <a:endParaRPr lang="en-GB"/>
           </a:p>
@@ -2695,7 +2695,7 @@
           <a:p>
             <a:fld id="{9F984A1A-F576-403E-81D7-74E1235F9109}" type="datetimeFigureOut">
               <a:rPr lang="en-GB" smtClean="0"/>
-              <a:t>02/07/2025</a:t>
+              <a:t>06/07/2025</a:t>
             </a:fld>
             <a:endParaRPr lang="en-GB"/>
           </a:p>
@@ -2938,7 +2938,7 @@
           <a:p>
             <a:fld id="{9F984A1A-F576-403E-81D7-74E1235F9109}" type="datetimeFigureOut">
               <a:rPr lang="en-GB" smtClean="0"/>
-              <a:t>02/07/2025</a:t>
+              <a:t>06/07/2025</a:t>
             </a:fld>
             <a:endParaRPr lang="en-GB"/>
           </a:p>
@@ -4150,7 +4150,7 @@
             <a:pPr algn="ctr"/>
             <a:r>
               <a:rPr lang="en-GB" sz="3600" b="1" dirty="0"/>
-              <a:t>AI Evaluations</a:t>
+              <a:t>Patterns</a:t>
             </a:r>
             <a:endParaRPr lang="en-GB" sz="2400" b="1" dirty="0"/>
           </a:p>
@@ -4920,7 +4920,7 @@
         <p:spPr>
           <a:xfrm>
             <a:off x="930333" y="1044722"/>
-            <a:ext cx="10671732" cy="1754326"/>
+            <a:ext cx="10671732" cy="2769989"/>
           </a:xfrm>
           <a:prstGeom prst="rect">
             <a:avLst/>
@@ -4934,17 +4934,34 @@
           <a:lstStyle/>
           <a:p>
             <a:r>
-              <a:rPr lang="en-GB" dirty="0">
-                <a:solidFill>
-                  <a:schemeClr val="bg1"/>
-                </a:solidFill>
-              </a:rPr>
-              <a:t>For a given INPUT, we need to evaluate whether the OUTPUT is ‘equal’ to the REFERENCE, ‘equal’ meaning it is similar but not necessarily exactly equal. If we have asked a question about X then the OUTPUT,</a:t>
-            </a:r>
-          </a:p>
-          <a:p>
-            <a:r>
-              <a:rPr lang="en-GB" dirty="0">
+              <a:rPr lang="en-GB" sz="2400" dirty="0">
+                <a:solidFill>
+                  <a:schemeClr val="bg1"/>
+                </a:solidFill>
+              </a:rPr>
+              <a:t>For a given INPUT, we need to evaluate whether the OUTPUT is ‘equal’ to the REFERENCE, ‘equal’ meaning it is similar but not necessarily exactly equal. </a:t>
+            </a:r>
+          </a:p>
+          <a:p>
+            <a:endParaRPr lang="en-GB" sz="2400" dirty="0">
+              <a:solidFill>
+                <a:schemeClr val="bg1"/>
+              </a:solidFill>
+            </a:endParaRPr>
+          </a:p>
+          <a:p>
+            <a:r>
+              <a:rPr lang="en-GB" sz="2400" dirty="0">
+                <a:solidFill>
+                  <a:schemeClr val="bg1"/>
+                </a:solidFill>
+              </a:rPr>
+              <a:t>If we have asked a question about X then the OUTPUT,</a:t>
+            </a:r>
+          </a:p>
+          <a:p>
+            <a:r>
+              <a:rPr lang="en-GB" sz="2400" dirty="0">
                 <a:solidFill>
                   <a:schemeClr val="bg1"/>
                 </a:solidFill>
@@ -4977,8 +4994,8 @@
         </p:nvSpPr>
         <p:spPr>
           <a:xfrm>
-            <a:off x="930333" y="1921885"/>
-            <a:ext cx="10671732" cy="1754326"/>
+            <a:off x="1002252" y="3049473"/>
+            <a:ext cx="10671732" cy="1631216"/>
           </a:xfrm>
           <a:prstGeom prst="rect">
             <a:avLst/>
@@ -4992,29 +5009,38 @@
           <a:lstStyle/>
           <a:p>
             <a:r>
-              <a:rPr lang="en-GB" b="1" dirty="0">
-                <a:solidFill>
-                  <a:schemeClr val="bg1"/>
-                </a:solidFill>
-              </a:rPr>
-              <a:t>Recall/Precision for Retrieved Context</a:t>
-            </a:r>
-            <a:endParaRPr lang="en-GB" dirty="0">
+              <a:rPr lang="en-GB" sz="2000" i="1" dirty="0">
+                <a:solidFill>
+                  <a:schemeClr val="bg1"/>
+                </a:solidFill>
+              </a:rPr>
+              <a:t>How useful was the context retrieved in relation to the output answer?</a:t>
+            </a:r>
+            <a:endParaRPr lang="en-GB" sz="2000" dirty="0">
               <a:solidFill>
                 <a:schemeClr val="bg1"/>
               </a:solidFill>
             </a:endParaRPr>
           </a:p>
           <a:p>
-            <a:r>
-              <a:rPr lang="en-GB" i="1" dirty="0">
-                <a:solidFill>
-                  <a:schemeClr val="bg1"/>
-                </a:solidFill>
-              </a:rPr>
-              <a:t>How useful was the context retrieved in relation to the output answer?</a:t>
-            </a:r>
-            <a:endParaRPr lang="en-GB" dirty="0">
+            <a:pPr lvl="0"/>
+            <a:r>
+              <a:rPr lang="en-GB" sz="2000" dirty="0">
+                <a:solidFill>
+                  <a:schemeClr val="bg1"/>
+                </a:solidFill>
+              </a:rPr>
+              <a:t>output &gt; context </a:t>
+            </a:r>
+            <a:r>
+              <a:rPr lang="en-GB" sz="2000" b="1" dirty="0">
+                <a:solidFill>
+                  <a:schemeClr val="bg1"/>
+                </a:solidFill>
+              </a:rPr>
+              <a:t>addition/hallucination  </a:t>
+            </a:r>
+            <a:endParaRPr lang="en-GB" sz="2000" dirty="0">
               <a:solidFill>
                 <a:schemeClr val="bg1"/>
               </a:solidFill>
@@ -5023,22 +5049,22 @@
           <a:p>
             <a:pPr lvl="0"/>
             <a:r>
-              <a:rPr lang="en-GB" dirty="0">
-                <a:solidFill>
-                  <a:schemeClr val="bg1"/>
-                </a:solidFill>
-              </a:rPr>
-              <a:t>output &gt; context </a:t>
-            </a:r>
-            <a:r>
-              <a:rPr lang="en-GB" b="1" dirty="0">
-                <a:solidFill>
-                  <a:schemeClr val="bg1"/>
-                </a:solidFill>
-              </a:rPr>
-              <a:t>addition/hallucination  </a:t>
-            </a:r>
-            <a:endParaRPr lang="en-GB" dirty="0">
+              <a:rPr lang="en-GB" sz="2000" dirty="0">
+                <a:solidFill>
+                  <a:schemeClr val="bg1"/>
+                </a:solidFill>
+              </a:rPr>
+              <a:t>output &lt; context </a:t>
+            </a:r>
+            <a:r>
+              <a:rPr lang="en-GB" sz="2000" b="1" dirty="0">
+                <a:solidFill>
+                  <a:schemeClr val="bg1"/>
+                </a:solidFill>
+              </a:rPr>
+              <a:t>omission</a:t>
+            </a:r>
+            <a:endParaRPr lang="en-GB" sz="2000" dirty="0">
               <a:solidFill>
                 <a:schemeClr val="bg1"/>
               </a:solidFill>
@@ -5047,22 +5073,22 @@
           <a:p>
             <a:pPr lvl="0"/>
             <a:r>
-              <a:rPr lang="en-GB" dirty="0">
-                <a:solidFill>
-                  <a:schemeClr val="bg1"/>
-                </a:solidFill>
-              </a:rPr>
-              <a:t>output &lt; context </a:t>
-            </a:r>
-            <a:r>
-              <a:rPr lang="en-GB" b="1" dirty="0">
-                <a:solidFill>
-                  <a:schemeClr val="bg1"/>
-                </a:solidFill>
-              </a:rPr>
-              <a:t>omission</a:t>
-            </a:r>
-            <a:endParaRPr lang="en-GB" dirty="0">
+              <a:rPr lang="en-GB" sz="2000" dirty="0">
+                <a:solidFill>
+                  <a:schemeClr val="bg1"/>
+                </a:solidFill>
+              </a:rPr>
+              <a:t>output != context </a:t>
+            </a:r>
+            <a:r>
+              <a:rPr lang="en-GB" sz="2000" b="1" dirty="0">
+                <a:solidFill>
+                  <a:schemeClr val="bg1"/>
+                </a:solidFill>
+              </a:rPr>
+              <a:t>contradiction</a:t>
+            </a:r>
+            <a:endParaRPr lang="en-GB" sz="2000" dirty="0">
               <a:solidFill>
                 <a:schemeClr val="bg1"/>
               </a:solidFill>
@@ -5071,51 +5097,27 @@
           <a:p>
             <a:pPr lvl="0"/>
             <a:r>
-              <a:rPr lang="en-GB" dirty="0">
-                <a:solidFill>
-                  <a:schemeClr val="bg1"/>
-                </a:solidFill>
-              </a:rPr>
-              <a:t>output != context </a:t>
-            </a:r>
-            <a:r>
-              <a:rPr lang="en-GB" b="1" dirty="0">
-                <a:solidFill>
-                  <a:schemeClr val="bg1"/>
-                </a:solidFill>
-              </a:rPr>
-              <a:t>contradiction</a:t>
-            </a:r>
-            <a:endParaRPr lang="en-GB" dirty="0">
+              <a:rPr lang="en-GB" sz="2000" dirty="0">
+                <a:solidFill>
+                  <a:schemeClr val="bg1"/>
+                </a:solidFill>
+              </a:rPr>
+              <a:t>output == context </a:t>
+            </a:r>
+            <a:r>
+              <a:rPr lang="en-GB" sz="2000" b="1" dirty="0">
+                <a:solidFill>
+                  <a:schemeClr val="bg1"/>
+                </a:solidFill>
+              </a:rPr>
+              <a:t>accurate</a:t>
+            </a:r>
+            <a:endParaRPr lang="en-GB" sz="2000" dirty="0">
               <a:solidFill>
                 <a:schemeClr val="bg1"/>
               </a:solidFill>
             </a:endParaRPr>
           </a:p>
-          <a:p>
-            <a:pPr lvl="0"/>
-            <a:r>
-              <a:rPr lang="en-GB" dirty="0">
-                <a:solidFill>
-                  <a:schemeClr val="bg1"/>
-                </a:solidFill>
-              </a:rPr>
-              <a:t>output == context </a:t>
-            </a:r>
-            <a:r>
-              <a:rPr lang="en-GB" b="1" dirty="0">
-                <a:solidFill>
-                  <a:schemeClr val="bg1"/>
-                </a:solidFill>
-              </a:rPr>
-              <a:t>accurate</a:t>
-            </a:r>
-            <a:endParaRPr lang="en-GB" dirty="0">
-              <a:solidFill>
-                <a:schemeClr val="bg1"/>
-              </a:solidFill>
-            </a:endParaRPr>
-          </a:p>
         </p:txBody>
       </p:sp>
       <p:sp>
@@ -5132,8 +5134,8 @@
         </p:nvSpPr>
         <p:spPr>
           <a:xfrm>
-            <a:off x="930333" y="3676211"/>
-            <a:ext cx="10671732" cy="1477328"/>
+            <a:off x="1002252" y="4781913"/>
+            <a:ext cx="10671732" cy="1631216"/>
           </a:xfrm>
           <a:prstGeom prst="rect">
             <a:avLst/>
@@ -5147,14 +5149,14 @@
           <a:lstStyle/>
           <a:p>
             <a:r>
-              <a:rPr lang="en-GB" i="1" dirty="0">
+              <a:rPr lang="en-GB" sz="2000" i="1" dirty="0">
                 <a:solidFill>
                   <a:schemeClr val="bg1"/>
                 </a:solidFill>
               </a:rPr>
               <a:t>How relevant to the ground truth was the retrieved context?</a:t>
             </a:r>
-            <a:endParaRPr lang="en-GB" dirty="0">
+            <a:endParaRPr lang="en-GB" sz="2000" dirty="0">
               <a:solidFill>
                 <a:schemeClr val="bg1"/>
               </a:solidFill>
@@ -5163,7 +5165,7 @@
           <a:p>
             <a:pPr lvl="0"/>
             <a:r>
-              <a:rPr lang="en-GB" dirty="0">
+              <a:rPr lang="en-GB" sz="2000" dirty="0">
                 <a:solidFill>
                   <a:schemeClr val="bg1"/>
                 </a:solidFill>
@@ -5171,14 +5173,14 @@
               <a:t>context == ground_truth </a:t>
             </a:r>
             <a:r>
-              <a:rPr lang="en-GB" b="1" dirty="0">
+              <a:rPr lang="en-GB" sz="2000" b="1" dirty="0">
                 <a:solidFill>
                   <a:schemeClr val="bg1"/>
                 </a:solidFill>
               </a:rPr>
               <a:t>accurate and complete</a:t>
             </a:r>
-            <a:endParaRPr lang="en-GB" dirty="0">
+            <a:endParaRPr lang="en-GB" sz="2000" dirty="0">
               <a:solidFill>
                 <a:schemeClr val="bg1"/>
               </a:solidFill>
@@ -5187,7 +5189,7 @@
           <a:p>
             <a:pPr lvl="0"/>
             <a:r>
-              <a:rPr lang="en-GB" dirty="0">
+              <a:rPr lang="en-GB" sz="2000" dirty="0">
                 <a:solidFill>
                   <a:schemeClr val="bg1"/>
                 </a:solidFill>
@@ -5195,14 +5197,14 @@
               <a:t>context &lt; ground_truth </a:t>
             </a:r>
             <a:r>
-              <a:rPr lang="en-GB" b="1" dirty="0">
+              <a:rPr lang="en-GB" sz="2000" b="1" dirty="0">
                 <a:solidFill>
                   <a:schemeClr val="bg1"/>
                 </a:solidFill>
               </a:rPr>
               <a:t>poor recall</a:t>
             </a:r>
-            <a:endParaRPr lang="en-GB" dirty="0">
+            <a:endParaRPr lang="en-GB" sz="2000" dirty="0">
               <a:solidFill>
                 <a:schemeClr val="bg1"/>
               </a:solidFill>
@@ -5211,7 +5213,7 @@
           <a:p>
             <a:pPr lvl="0"/>
             <a:r>
-              <a:rPr lang="en-GB" dirty="0">
+              <a:rPr lang="en-GB" sz="2000" dirty="0">
                 <a:solidFill>
                   <a:schemeClr val="bg1"/>
                 </a:solidFill>
@@ -5219,14 +5221,14 @@
               <a:t>context &gt; ground_truth </a:t>
             </a:r>
             <a:r>
-              <a:rPr lang="en-GB" b="1" dirty="0">
+              <a:rPr lang="en-GB" sz="2000" b="1" dirty="0">
                 <a:solidFill>
                   <a:schemeClr val="bg1"/>
                 </a:solidFill>
               </a:rPr>
               <a:t>hallucination</a:t>
             </a:r>
-            <a:endParaRPr lang="en-GB" dirty="0">
+            <a:endParaRPr lang="en-GB" sz="2000" dirty="0">
               <a:solidFill>
                 <a:schemeClr val="bg1"/>
               </a:solidFill>
@@ -5235,7 +5237,7 @@
           <a:p>
             <a:pPr lvl="0"/>
             <a:r>
-              <a:rPr lang="en-GB" dirty="0">
+              <a:rPr lang="en-GB" sz="2000" dirty="0">
                 <a:solidFill>
                   <a:schemeClr val="bg1"/>
                 </a:solidFill>
@@ -5243,154 +5245,14 @@
               <a:t>context != ground_truth </a:t>
             </a:r>
             <a:r>
-              <a:rPr lang="en-GB" b="1" dirty="0">
+              <a:rPr lang="en-GB" sz="2000" b="1" dirty="0">
                 <a:solidFill>
                   <a:schemeClr val="bg1"/>
                 </a:solidFill>
               </a:rPr>
               <a:t>inaccurate</a:t>
             </a:r>
-            <a:endParaRPr lang="en-GB" dirty="0">
-              <a:solidFill>
-                <a:schemeClr val="bg1"/>
-              </a:solidFill>
-            </a:endParaRPr>
-          </a:p>
-        </p:txBody>
-      </p:sp>
-      <p:sp>
-        <p:nvSpPr>
-          <p:cNvPr id="27" name="TextBox 26">
-            <a:extLst>
-              <a:ext uri="{FF2B5EF4-FFF2-40B4-BE49-F238E27FC236}">
-                <a16:creationId xmlns:a16="http://schemas.microsoft.com/office/drawing/2014/main" id="{9BC9CF81-2D44-A698-34B9-107A17DD8D30}"/>
-              </a:ext>
-            </a:extLst>
-          </p:cNvPr>
-          <p:cNvSpPr txBox="1"/>
-          <p:nvPr/>
-        </p:nvSpPr>
-        <p:spPr>
-          <a:xfrm>
-            <a:off x="930333" y="5153539"/>
-            <a:ext cx="10671732" cy="1477328"/>
-          </a:xfrm>
-          <a:prstGeom prst="rect">
-            <a:avLst/>
-          </a:prstGeom>
-          <a:noFill/>
-        </p:spPr>
-        <p:txBody>
-          <a:bodyPr wrap="square" rtlCol="0">
-            <a:spAutoFit/>
-          </a:bodyPr>
-          <a:lstStyle/>
-          <a:p>
-            <a:r>
-              <a:rPr lang="en-GB" i="1" dirty="0">
-                <a:solidFill>
-                  <a:schemeClr val="bg1"/>
-                </a:solidFill>
-              </a:rPr>
-              <a:t>How useful was the output compared to the ground truth??</a:t>
-            </a:r>
-            <a:endParaRPr lang="en-GB" dirty="0">
-              <a:solidFill>
-                <a:schemeClr val="bg1"/>
-              </a:solidFill>
-            </a:endParaRPr>
-          </a:p>
-          <a:p>
-            <a:pPr lvl="0"/>
-            <a:r>
-              <a:rPr lang="en-GB" dirty="0">
-                <a:solidFill>
-                  <a:schemeClr val="bg1"/>
-                </a:solidFill>
-              </a:rPr>
-              <a:t>output &gt; ground_truth </a:t>
-            </a:r>
-            <a:r>
-              <a:rPr lang="en-GB" b="1" dirty="0">
-                <a:solidFill>
-                  <a:schemeClr val="bg1"/>
-                </a:solidFill>
-              </a:rPr>
-              <a:t>addition/hallucination</a:t>
-            </a:r>
-            <a:endParaRPr lang="en-GB" dirty="0">
-              <a:solidFill>
-                <a:schemeClr val="bg1"/>
-              </a:solidFill>
-            </a:endParaRPr>
-          </a:p>
-          <a:p>
-            <a:pPr lvl="0"/>
-            <a:r>
-              <a:rPr lang="en-GB" dirty="0">
-                <a:solidFill>
-                  <a:schemeClr val="bg1"/>
-                </a:solidFill>
-              </a:rPr>
-              <a:t>output &lt; ground_truth </a:t>
-            </a:r>
-            <a:r>
-              <a:rPr lang="en-GB" b="1" dirty="0">
-                <a:solidFill>
-                  <a:schemeClr val="bg1"/>
-                </a:solidFill>
-              </a:rPr>
-              <a:t>omission</a:t>
-            </a:r>
-            <a:endParaRPr lang="en-GB" dirty="0">
-              <a:solidFill>
-                <a:schemeClr val="bg1"/>
-              </a:solidFill>
-            </a:endParaRPr>
-          </a:p>
-          <a:p>
-            <a:pPr lvl="0"/>
-            <a:r>
-              <a:rPr lang="en-GB" dirty="0">
-                <a:solidFill>
-                  <a:schemeClr val="bg1"/>
-                </a:solidFill>
-              </a:rPr>
-              <a:t>output != ground_truth </a:t>
-            </a:r>
-            <a:r>
-              <a:rPr lang="en-GB" b="1" dirty="0">
-                <a:solidFill>
-                  <a:schemeClr val="bg1"/>
-                </a:solidFill>
-              </a:rPr>
-              <a:t>contradiction</a:t>
-            </a:r>
-            <a:endParaRPr lang="en-GB" dirty="0">
-              <a:solidFill>
-                <a:schemeClr val="bg1"/>
-              </a:solidFill>
-            </a:endParaRPr>
-          </a:p>
-          <a:p>
-            <a:pPr lvl="0"/>
-            <a:r>
-              <a:rPr lang="en-GB" dirty="0">
-                <a:solidFill>
-                  <a:schemeClr val="bg1"/>
-                </a:solidFill>
-              </a:rPr>
-              <a:t>output ==  ground_truth </a:t>
-            </a:r>
-            <a:r>
-              <a:rPr lang="en-GB" b="1" dirty="0">
-                <a:solidFill>
-                  <a:schemeClr val="bg1"/>
-                </a:solidFill>
-              </a:rPr>
-              <a:t>accuracy</a:t>
-            </a:r>
-            <a:endParaRPr lang="en-GB" dirty="0">
+            <a:endParaRPr lang="en-GB" sz="2000" dirty="0">
               <a:solidFill>
                 <a:schemeClr val="bg1"/>
               </a:solidFill>
@@ -5500,10 +5362,10 @@
       </p:sp>
       <p:sp>
         <p:nvSpPr>
-          <p:cNvPr id="25" name="TextBox 24">
-            <a:extLst>
-              <a:ext uri="{FF2B5EF4-FFF2-40B4-BE49-F238E27FC236}">
-                <a16:creationId xmlns:a16="http://schemas.microsoft.com/office/drawing/2014/main" id="{5D732091-BD01-81C6-F476-351754198BC3}"/>
+          <p:cNvPr id="26" name="TextBox 25">
+            <a:extLst>
+              <a:ext uri="{FF2B5EF4-FFF2-40B4-BE49-F238E27FC236}">
+                <a16:creationId xmlns:a16="http://schemas.microsoft.com/office/drawing/2014/main" id="{92B3866C-0504-4C51-47BD-830EA84FA962}"/>
               </a:ext>
             </a:extLst>
           </p:cNvPr>
@@ -5512,8 +5374,8 @@
         </p:nvSpPr>
         <p:spPr>
           <a:xfrm>
-            <a:off x="930333" y="1183221"/>
-            <a:ext cx="10671732" cy="1754326"/>
+            <a:off x="930333" y="1617072"/>
+            <a:ext cx="10671732" cy="1631216"/>
           </a:xfrm>
           <a:prstGeom prst="rect">
             <a:avLst/>
@@ -5527,29 +5389,38 @@
           <a:lstStyle/>
           <a:p>
             <a:r>
-              <a:rPr lang="en-GB" b="1" dirty="0">
-                <a:solidFill>
-                  <a:schemeClr val="bg1"/>
-                </a:solidFill>
-              </a:rPr>
-              <a:t>Recall/Precision for Retrieved Context</a:t>
-            </a:r>
-            <a:endParaRPr lang="en-GB" dirty="0">
+              <a:rPr lang="en-GB" sz="2000" i="1" dirty="0">
+                <a:solidFill>
+                  <a:schemeClr val="bg1"/>
+                </a:solidFill>
+              </a:rPr>
+              <a:t>How relevant to the ground truth was the retrieved context?</a:t>
+            </a:r>
+            <a:endParaRPr lang="en-GB" sz="2000" dirty="0">
               <a:solidFill>
                 <a:schemeClr val="bg1"/>
               </a:solidFill>
             </a:endParaRPr>
           </a:p>
           <a:p>
-            <a:r>
-              <a:rPr lang="en-GB" i="1" dirty="0">
-                <a:solidFill>
-                  <a:schemeClr val="bg1"/>
-                </a:solidFill>
-              </a:rPr>
-              <a:t>How useful was the context retrieved in relation to the output answer?</a:t>
-            </a:r>
-            <a:endParaRPr lang="en-GB" dirty="0">
+            <a:pPr lvl="0"/>
+            <a:r>
+              <a:rPr lang="en-GB" sz="2000" dirty="0">
+                <a:solidFill>
+                  <a:schemeClr val="bg1"/>
+                </a:solidFill>
+              </a:rPr>
+              <a:t>context == ground_truth </a:t>
+            </a:r>
+            <a:r>
+              <a:rPr lang="en-GB" sz="2000" b="1" dirty="0">
+                <a:solidFill>
+                  <a:schemeClr val="bg1"/>
+                </a:solidFill>
+              </a:rPr>
+              <a:t>accurate and complete</a:t>
+            </a:r>
+            <a:endParaRPr lang="en-GB" sz="2000" dirty="0">
               <a:solidFill>
                 <a:schemeClr val="bg1"/>
               </a:solidFill>
@@ -5558,22 +5429,22 @@
           <a:p>
             <a:pPr lvl="0"/>
             <a:r>
-              <a:rPr lang="en-GB" dirty="0">
-                <a:solidFill>
-                  <a:schemeClr val="bg1"/>
-                </a:solidFill>
-              </a:rPr>
-              <a:t>output &gt; context </a:t>
-            </a:r>
-            <a:r>
-              <a:rPr lang="en-GB" b="1" dirty="0">
-                <a:solidFill>
-                  <a:schemeClr val="bg1"/>
-                </a:solidFill>
-              </a:rPr>
-              <a:t>addition/hallucination  </a:t>
-            </a:r>
-            <a:endParaRPr lang="en-GB" dirty="0">
+              <a:rPr lang="en-GB" sz="2000" dirty="0">
+                <a:solidFill>
+                  <a:schemeClr val="bg1"/>
+                </a:solidFill>
+              </a:rPr>
+              <a:t>context &lt; ground_truth </a:t>
+            </a:r>
+            <a:r>
+              <a:rPr lang="en-GB" sz="2000" b="1" dirty="0">
+                <a:solidFill>
+                  <a:schemeClr val="bg1"/>
+                </a:solidFill>
+              </a:rPr>
+              <a:t>poor recall</a:t>
+            </a:r>
+            <a:endParaRPr lang="en-GB" sz="2000" dirty="0">
               <a:solidFill>
                 <a:schemeClr val="bg1"/>
               </a:solidFill>
@@ -5582,22 +5453,22 @@
           <a:p>
             <a:pPr lvl="0"/>
             <a:r>
-              <a:rPr lang="en-GB" dirty="0">
-                <a:solidFill>
-                  <a:schemeClr val="bg1"/>
-                </a:solidFill>
-              </a:rPr>
-              <a:t>output &lt; context </a:t>
-            </a:r>
-            <a:r>
-              <a:rPr lang="en-GB" b="1" dirty="0">
-                <a:solidFill>
-                  <a:schemeClr val="bg1"/>
-                </a:solidFill>
-              </a:rPr>
-              <a:t>omission</a:t>
-            </a:r>
-            <a:endParaRPr lang="en-GB" dirty="0">
+              <a:rPr lang="en-GB" sz="2000" dirty="0">
+                <a:solidFill>
+                  <a:schemeClr val="bg1"/>
+                </a:solidFill>
+              </a:rPr>
+              <a:t>context &gt; ground_truth </a:t>
+            </a:r>
+            <a:r>
+              <a:rPr lang="en-GB" sz="2000" b="1" dirty="0">
+                <a:solidFill>
+                  <a:schemeClr val="bg1"/>
+                </a:solidFill>
+              </a:rPr>
+              <a:t>hallucination</a:t>
+            </a:r>
+            <a:endParaRPr lang="en-GB" sz="2000" dirty="0">
               <a:solidFill>
                 <a:schemeClr val="bg1"/>
               </a:solidFill>
@@ -5606,59 +5477,35 @@
           <a:p>
             <a:pPr lvl="0"/>
             <a:r>
-              <a:rPr lang="en-GB" dirty="0">
-                <a:solidFill>
-                  <a:schemeClr val="bg1"/>
-                </a:solidFill>
-              </a:rPr>
-              <a:t>output != context </a:t>
-            </a:r>
-            <a:r>
-              <a:rPr lang="en-GB" b="1" dirty="0">
-                <a:solidFill>
-                  <a:schemeClr val="bg1"/>
-                </a:solidFill>
-              </a:rPr>
-              <a:t>contradiction</a:t>
-            </a:r>
-            <a:endParaRPr lang="en-GB" dirty="0">
+              <a:rPr lang="en-GB" sz="2000" dirty="0">
+                <a:solidFill>
+                  <a:schemeClr val="bg1"/>
+                </a:solidFill>
+              </a:rPr>
+              <a:t>context != ground_truth </a:t>
+            </a:r>
+            <a:r>
+              <a:rPr lang="en-GB" sz="2000" b="1" dirty="0">
+                <a:solidFill>
+                  <a:schemeClr val="bg1"/>
+                </a:solidFill>
+              </a:rPr>
+              <a:t>inaccurate</a:t>
+            </a:r>
+            <a:endParaRPr lang="en-GB" sz="2000" dirty="0">
               <a:solidFill>
                 <a:schemeClr val="bg1"/>
               </a:solidFill>
             </a:endParaRPr>
           </a:p>
-          <a:p>
-            <a:pPr lvl="0"/>
-            <a:r>
-              <a:rPr lang="en-GB" dirty="0">
-                <a:solidFill>
-                  <a:schemeClr val="bg1"/>
-                </a:solidFill>
-              </a:rPr>
-              <a:t>output == context </a:t>
-            </a:r>
-            <a:r>
-              <a:rPr lang="en-GB" b="1" dirty="0">
-                <a:solidFill>
-                  <a:schemeClr val="bg1"/>
-                </a:solidFill>
-              </a:rPr>
-              <a:t>accurate</a:t>
-            </a:r>
-            <a:endParaRPr lang="en-GB" dirty="0">
-              <a:solidFill>
-                <a:schemeClr val="bg1"/>
-              </a:solidFill>
-            </a:endParaRPr>
-          </a:p>
-        </p:txBody>
-      </p:sp>
-      <p:sp>
-        <p:nvSpPr>
-          <p:cNvPr id="26" name="TextBox 25">
-            <a:extLst>
-              <a:ext uri="{FF2B5EF4-FFF2-40B4-BE49-F238E27FC236}">
-                <a16:creationId xmlns:a16="http://schemas.microsoft.com/office/drawing/2014/main" id="{92B3866C-0504-4C51-47BD-830EA84FA962}"/>
+        </p:txBody>
+      </p:sp>
+      <p:sp>
+        <p:nvSpPr>
+          <p:cNvPr id="27" name="TextBox 26">
+            <a:extLst>
+              <a:ext uri="{FF2B5EF4-FFF2-40B4-BE49-F238E27FC236}">
+                <a16:creationId xmlns:a16="http://schemas.microsoft.com/office/drawing/2014/main" id="{34D86103-6CEF-951D-8394-395DFDFED341}"/>
               </a:ext>
             </a:extLst>
           </p:cNvPr>
@@ -5667,8 +5514,8 @@
         </p:nvSpPr>
         <p:spPr>
           <a:xfrm>
-            <a:off x="930333" y="3086276"/>
-            <a:ext cx="10671732" cy="1477328"/>
+            <a:off x="930333" y="3609713"/>
+            <a:ext cx="10671732" cy="2246769"/>
           </a:xfrm>
           <a:prstGeom prst="rect">
             <a:avLst/>
@@ -5682,14 +5529,14 @@
           <a:lstStyle/>
           <a:p>
             <a:r>
-              <a:rPr lang="en-GB" i="1" dirty="0">
-                <a:solidFill>
-                  <a:schemeClr val="bg1"/>
-                </a:solidFill>
-              </a:rPr>
-              <a:t>How relevant to the ground truth was the retrieved context?</a:t>
-            </a:r>
-            <a:endParaRPr lang="en-GB" dirty="0">
+              <a:rPr lang="en-GB" sz="2000" i="1" dirty="0">
+                <a:solidFill>
+                  <a:schemeClr val="bg1"/>
+                </a:solidFill>
+              </a:rPr>
+              <a:t>How useful was the output compared to the ground truth??</a:t>
+            </a:r>
+            <a:endParaRPr lang="en-GB" sz="2000" dirty="0">
               <a:solidFill>
                 <a:schemeClr val="bg1"/>
               </a:solidFill>
@@ -5698,22 +5545,22 @@
           <a:p>
             <a:pPr lvl="0"/>
             <a:r>
-              <a:rPr lang="en-GB" dirty="0">
-                <a:solidFill>
-                  <a:schemeClr val="bg1"/>
-                </a:solidFill>
-              </a:rPr>
-              <a:t>context == ground_truth </a:t>
-            </a:r>
-            <a:r>
-              <a:rPr lang="en-GB" b="1" dirty="0">
-                <a:solidFill>
-                  <a:schemeClr val="bg1"/>
-                </a:solidFill>
-              </a:rPr>
-              <a:t>accurate and complete</a:t>
-            </a:r>
-            <a:endParaRPr lang="en-GB" dirty="0">
+              <a:rPr lang="en-GB" sz="2000" dirty="0">
+                <a:solidFill>
+                  <a:schemeClr val="bg1"/>
+                </a:solidFill>
+              </a:rPr>
+              <a:t>output &gt; ground_truth </a:t>
+            </a:r>
+            <a:r>
+              <a:rPr lang="en-GB" sz="2000" b="1" dirty="0">
+                <a:solidFill>
+                  <a:schemeClr val="bg1"/>
+                </a:solidFill>
+              </a:rPr>
+              <a:t>addition/hallucination</a:t>
+            </a:r>
+            <a:endParaRPr lang="en-GB" sz="2000" dirty="0">
               <a:solidFill>
                 <a:schemeClr val="bg1"/>
               </a:solidFill>
@@ -5722,22 +5569,22 @@
           <a:p>
             <a:pPr lvl="0"/>
             <a:r>
-              <a:rPr lang="en-GB" dirty="0">
-                <a:solidFill>
-                  <a:schemeClr val="bg1"/>
-                </a:solidFill>
-              </a:rPr>
-              <a:t>context &lt; ground_truth </a:t>
-            </a:r>
-            <a:r>
-              <a:rPr lang="en-GB" b="1" dirty="0">
-                <a:solidFill>
-                  <a:schemeClr val="bg1"/>
-                </a:solidFill>
-              </a:rPr>
-              <a:t>poor recall</a:t>
-            </a:r>
-            <a:endParaRPr lang="en-GB" dirty="0">
+              <a:rPr lang="en-GB" sz="2000" dirty="0">
+                <a:solidFill>
+                  <a:schemeClr val="bg1"/>
+                </a:solidFill>
+              </a:rPr>
+              <a:t>output &lt; ground_truth </a:t>
+            </a:r>
+            <a:r>
+              <a:rPr lang="en-GB" sz="2000" b="1" dirty="0">
+                <a:solidFill>
+                  <a:schemeClr val="bg1"/>
+                </a:solidFill>
+              </a:rPr>
+              <a:t>omission</a:t>
+            </a:r>
+            <a:endParaRPr lang="en-GB" sz="2000" dirty="0">
               <a:solidFill>
                 <a:schemeClr val="bg1"/>
               </a:solidFill>
@@ -5746,22 +5593,22 @@
           <a:p>
             <a:pPr lvl="0"/>
             <a:r>
-              <a:rPr lang="en-GB" dirty="0">
-                <a:solidFill>
-                  <a:schemeClr val="bg1"/>
-                </a:solidFill>
-              </a:rPr>
-              <a:t>context &gt; ground_truth </a:t>
-            </a:r>
-            <a:r>
-              <a:rPr lang="en-GB" b="1" dirty="0">
-                <a:solidFill>
-                  <a:schemeClr val="bg1"/>
-                </a:solidFill>
-              </a:rPr>
-              <a:t>hallucination</a:t>
-            </a:r>
-            <a:endParaRPr lang="en-GB" dirty="0">
+              <a:rPr lang="en-GB" sz="2000" dirty="0">
+                <a:solidFill>
+                  <a:schemeClr val="bg1"/>
+                </a:solidFill>
+              </a:rPr>
+              <a:t>output != ground_truth </a:t>
+            </a:r>
+            <a:r>
+              <a:rPr lang="en-GB" sz="2000" b="1" dirty="0">
+                <a:solidFill>
+                  <a:schemeClr val="bg1"/>
+                </a:solidFill>
+              </a:rPr>
+              <a:t>contradiction</a:t>
+            </a:r>
+            <a:endParaRPr lang="en-GB" sz="2000" dirty="0">
               <a:solidFill>
                 <a:schemeClr val="bg1"/>
               </a:solidFill>
@@ -5770,162 +5617,41 @@
           <a:p>
             <a:pPr lvl="0"/>
             <a:r>
-              <a:rPr lang="en-GB" dirty="0">
-                <a:solidFill>
-                  <a:schemeClr val="bg1"/>
-                </a:solidFill>
-              </a:rPr>
-              <a:t>context != ground_truth </a:t>
-            </a:r>
-            <a:r>
-              <a:rPr lang="en-GB" b="1" dirty="0">
-                <a:solidFill>
-                  <a:schemeClr val="bg1"/>
-                </a:solidFill>
-              </a:rPr>
-              <a:t>inaccurate</a:t>
-            </a:r>
-            <a:endParaRPr lang="en-GB" dirty="0">
+              <a:rPr lang="en-GB" sz="2000" dirty="0">
+                <a:solidFill>
+                  <a:schemeClr val="bg1"/>
+                </a:solidFill>
+              </a:rPr>
+              <a:t>output ==  ground_truth </a:t>
+            </a:r>
+            <a:r>
+              <a:rPr lang="en-GB" sz="2000" b="1" dirty="0">
+                <a:solidFill>
+                  <a:schemeClr val="bg1"/>
+                </a:solidFill>
+              </a:rPr>
+              <a:t>accuracy</a:t>
+            </a:r>
+          </a:p>
+          <a:p>
+            <a:pPr lvl="0"/>
+            <a:endParaRPr lang="en-GB" sz="2000" b="1" dirty="0">
               <a:solidFill>
                 <a:schemeClr val="bg1"/>
               </a:solidFill>
             </a:endParaRPr>
           </a:p>
-        </p:txBody>
-      </p:sp>
-      <p:sp>
-        <p:nvSpPr>
-          <p:cNvPr id="27" name="TextBox 26">
-            <a:extLst>
-              <a:ext uri="{FF2B5EF4-FFF2-40B4-BE49-F238E27FC236}">
-                <a16:creationId xmlns:a16="http://schemas.microsoft.com/office/drawing/2014/main" id="{34D86103-6CEF-951D-8394-395DFDFED341}"/>
-              </a:ext>
-            </a:extLst>
-          </p:cNvPr>
-          <p:cNvSpPr txBox="1"/>
-          <p:nvPr/>
-        </p:nvSpPr>
-        <p:spPr>
-          <a:xfrm>
-            <a:off x="930333" y="4712333"/>
-            <a:ext cx="10671732" cy="1477328"/>
-          </a:xfrm>
-          <a:prstGeom prst="rect">
-            <a:avLst/>
-          </a:prstGeom>
-          <a:noFill/>
-        </p:spPr>
-        <p:txBody>
-          <a:bodyPr wrap="square" rtlCol="0">
-            <a:spAutoFit/>
-          </a:bodyPr>
-          <a:lstStyle/>
-          <a:p>
-            <a:r>
-              <a:rPr lang="en-GB" i="1" dirty="0">
-                <a:solidFill>
-                  <a:schemeClr val="bg1"/>
-                </a:solidFill>
-              </a:rPr>
-              <a:t>How useful was the output compared to the ground truth??</a:t>
-            </a:r>
-            <a:endParaRPr lang="en-GB" dirty="0">
-              <a:solidFill>
-                <a:schemeClr val="bg1"/>
-              </a:solidFill>
-            </a:endParaRPr>
-          </a:p>
           <a:p>
             <a:pPr lvl="0"/>
             <a:r>
-              <a:rPr lang="en-GB" dirty="0">
-                <a:solidFill>
-                  <a:schemeClr val="bg1"/>
-                </a:solidFill>
-              </a:rPr>
-              <a:t>output &gt; ground_truth </a:t>
-            </a:r>
-            <a:r>
-              <a:rPr lang="en-GB" b="1" dirty="0">
-                <a:solidFill>
-                  <a:schemeClr val="bg1"/>
-                </a:solidFill>
-              </a:rPr>
-              <a:t>addition/hallucination</a:t>
-            </a:r>
-            <a:endParaRPr lang="en-GB" dirty="0">
-              <a:solidFill>
-                <a:schemeClr val="bg1"/>
-              </a:solidFill>
-            </a:endParaRPr>
-          </a:p>
-          <a:p>
-            <a:pPr lvl="0"/>
-            <a:r>
-              <a:rPr lang="en-GB" dirty="0">
-                <a:solidFill>
-                  <a:schemeClr val="bg1"/>
-                </a:solidFill>
-              </a:rPr>
-              <a:t>output &lt; ground_truth </a:t>
-            </a:r>
-            <a:r>
-              <a:rPr lang="en-GB" b="1" dirty="0">
-                <a:solidFill>
-                  <a:schemeClr val="bg1"/>
-                </a:solidFill>
-              </a:rPr>
-              <a:t>omission</a:t>
-            </a:r>
-            <a:endParaRPr lang="en-GB" dirty="0">
-              <a:solidFill>
-                <a:schemeClr val="bg1"/>
-              </a:solidFill>
-            </a:endParaRPr>
-          </a:p>
-          <a:p>
-            <a:pPr lvl="0"/>
-            <a:r>
-              <a:rPr lang="en-GB" dirty="0">
-                <a:solidFill>
-                  <a:schemeClr val="bg1"/>
-                </a:solidFill>
-              </a:rPr>
-              <a:t>output != ground_truth </a:t>
-            </a:r>
-            <a:r>
-              <a:rPr lang="en-GB" b="1" dirty="0">
-                <a:solidFill>
-                  <a:schemeClr val="bg1"/>
-                </a:solidFill>
-              </a:rPr>
-              <a:t>contradiction</a:t>
-            </a:r>
-            <a:endParaRPr lang="en-GB" dirty="0">
-              <a:solidFill>
-                <a:schemeClr val="bg1"/>
-              </a:solidFill>
-            </a:endParaRPr>
-          </a:p>
-          <a:p>
-            <a:pPr lvl="0"/>
-            <a:r>
-              <a:rPr lang="en-GB" dirty="0">
-                <a:solidFill>
-                  <a:schemeClr val="bg1"/>
-                </a:solidFill>
-              </a:rPr>
-              <a:t>output ==  ground_truth </a:t>
-            </a:r>
-            <a:r>
-              <a:rPr lang="en-GB" b="1" dirty="0">
-                <a:solidFill>
-                  <a:schemeClr val="bg1"/>
-                </a:solidFill>
-              </a:rPr>
-              <a:t>accuracy</a:t>
-            </a:r>
-            <a:endParaRPr lang="en-GB" dirty="0">
+              <a:rPr lang="en-GB" sz="2000" b="1" dirty="0">
+                <a:solidFill>
+                  <a:schemeClr val="bg1"/>
+                </a:solidFill>
+              </a:rPr>
+              <a:t>And so on…</a:t>
+            </a:r>
+            <a:endParaRPr lang="en-GB" sz="2000" dirty="0">
               <a:solidFill>
                 <a:schemeClr val="bg1"/>
               </a:solidFill>
@@ -6027,7 +5753,7 @@
             <a:pPr algn="ctr"/>
             <a:r>
               <a:rPr lang="en-GB" sz="3600" b="1" dirty="0"/>
-              <a:t>AI Evaluations</a:t>
+              <a:t>Tool Calling</a:t>
             </a:r>
             <a:endParaRPr lang="en-GB" sz="2400" b="1" dirty="0"/>
           </a:p>
@@ -6047,8 +5773,8 @@
         </p:nvSpPr>
         <p:spPr>
           <a:xfrm>
-            <a:off x="930333" y="1558897"/>
-            <a:ext cx="10671732" cy="1200329"/>
+            <a:off x="930333" y="1147931"/>
+            <a:ext cx="10671732" cy="1323439"/>
           </a:xfrm>
           <a:prstGeom prst="rect">
             <a:avLst/>
@@ -6062,14 +5788,14 @@
           <a:lstStyle/>
           <a:p>
             <a:r>
-              <a:rPr lang="en-GB" b="1" dirty="0">
+              <a:rPr lang="en-GB" sz="2000" b="1" dirty="0">
                 <a:solidFill>
                   <a:schemeClr val="bg1"/>
                 </a:solidFill>
               </a:rPr>
               <a:t>TOOL CALLS</a:t>
             </a:r>
-            <a:endParaRPr lang="en-GB" dirty="0">
+            <a:endParaRPr lang="en-GB" sz="2000" dirty="0">
               <a:solidFill>
                 <a:schemeClr val="bg1"/>
               </a:solidFill>
@@ -6077,14 +5803,14 @@
           </a:p>
           <a:p>
             <a:r>
-              <a:rPr lang="en-GB" i="1" dirty="0">
+              <a:rPr lang="en-GB" sz="2000" i="1" dirty="0">
                 <a:solidFill>
                   <a:schemeClr val="bg1"/>
                 </a:solidFill>
               </a:rPr>
               <a:t>How many of the expected tools were called and were any tools called that were not expected?</a:t>
             </a:r>
-            <a:endParaRPr lang="en-GB" dirty="0">
+            <a:endParaRPr lang="en-GB" sz="2000" dirty="0">
               <a:solidFill>
                 <a:schemeClr val="bg1"/>
               </a:solidFill>
@@ -6093,7 +5819,7 @@
           <a:p>
             <a:pPr lvl="0"/>
             <a:r>
-              <a:rPr lang="en-GB" b="1" dirty="0">
+              <a:rPr lang="en-GB" sz="2000" b="1" dirty="0">
                 <a:solidFill>
                   <a:schemeClr val="bg1"/>
                 </a:solidFill>
@@ -6101,7 +5827,7 @@
               <a:t>actual_tools_called</a:t>
             </a:r>
             <a:r>
-              <a:rPr lang="en-GB" dirty="0">
+              <a:rPr lang="en-GB" sz="2000" dirty="0">
                 <a:solidFill>
                   <a:schemeClr val="bg1"/>
                 </a:solidFill>
@@ -6109,7 +5835,7 @@
               <a:t> compared to </a:t>
             </a:r>
             <a:r>
-              <a:rPr lang="en-GB" b="1" dirty="0">
+              <a:rPr lang="en-GB" sz="2000" b="1" dirty="0">
                 <a:solidFill>
                   <a:schemeClr val="bg1"/>
                 </a:solidFill>
@@ -6117,7 +5843,7 @@
               <a:t>expected_tools_called</a:t>
             </a:r>
             <a:r>
-              <a:rPr lang="en-GB" dirty="0">
+              <a:rPr lang="en-GB" sz="2000" dirty="0">
                 <a:solidFill>
                   <a:schemeClr val="bg1"/>
                 </a:solidFill>
@@ -6128,7 +5854,7 @@
           <a:p>
             <a:pPr lvl="0"/>
             <a:r>
-              <a:rPr lang="en-GB" dirty="0">
+              <a:rPr lang="en-GB" sz="2000" dirty="0">
                 <a:solidFill>
                   <a:schemeClr val="bg1"/>
                 </a:solidFill>
@@ -6152,8 +5878,8 @@
         </p:nvSpPr>
         <p:spPr>
           <a:xfrm>
-            <a:off x="930333" y="3086276"/>
-            <a:ext cx="10671732" cy="1754326"/>
+            <a:off x="930333" y="2685584"/>
+            <a:ext cx="10671732" cy="1908215"/>
           </a:xfrm>
           <a:prstGeom prst="rect">
             <a:avLst/>
@@ -6167,40 +5893,114 @@
           <a:lstStyle/>
           <a:p>
             <a:r>
+              <a:rPr lang="en-GB" sz="2000" b="1" dirty="0">
+                <a:solidFill>
+                  <a:schemeClr val="bg1"/>
+                </a:solidFill>
+              </a:rPr>
+              <a:t>NEXT_ACTION</a:t>
+            </a:r>
+          </a:p>
+          <a:p>
+            <a:r>
+              <a:rPr lang="en-GB" sz="2000" i="1" dirty="0">
+                <a:solidFill>
+                  <a:schemeClr val="bg1"/>
+                </a:solidFill>
+              </a:rPr>
+              <a:t>Did the Agent route correctly?</a:t>
+            </a:r>
+          </a:p>
+          <a:p>
+            <a:r>
+              <a:rPr lang="en-GB" sz="2000" dirty="0">
+                <a:solidFill>
+                  <a:schemeClr val="bg1"/>
+                </a:solidFill>
+              </a:rPr>
+              <a:t>Used where workflow path accuracy needs to be determined. </a:t>
+            </a:r>
+            <a:r>
+              <a:rPr lang="en-GB" sz="2000" i="1" dirty="0">
+                <a:solidFill>
+                  <a:schemeClr val="bg1"/>
+                </a:solidFill>
+              </a:rPr>
+              <a:t>Did we go off course?</a:t>
+            </a:r>
+            <a:endParaRPr lang="en-GB" sz="2000" dirty="0">
+              <a:solidFill>
+                <a:schemeClr val="bg1"/>
+              </a:solidFill>
+            </a:endParaRPr>
+          </a:p>
+          <a:p>
+            <a:pPr lvl="0"/>
+            <a:r>
+              <a:rPr lang="en-GB" sz="2000" dirty="0">
+                <a:solidFill>
+                  <a:schemeClr val="bg1"/>
+                </a:solidFill>
+              </a:rPr>
+              <a:t>actual_next == expected_next </a:t>
+            </a:r>
+            <a:r>
+              <a:rPr lang="en-GB" sz="2000" b="1" dirty="0">
+                <a:solidFill>
+                  <a:schemeClr val="bg1"/>
+                </a:solidFill>
+              </a:rPr>
+              <a:t>accurate</a:t>
+            </a:r>
+            <a:endParaRPr lang="en-GB" sz="2000" dirty="0">
+              <a:solidFill>
+                <a:schemeClr val="bg1"/>
+              </a:solidFill>
+            </a:endParaRPr>
+          </a:p>
+          <a:p>
+            <a:pPr lvl="0"/>
+            <a:r>
+              <a:rPr lang="en-GB" sz="2000" dirty="0">
+                <a:solidFill>
+                  <a:schemeClr val="bg1"/>
+                </a:solidFill>
+              </a:rPr>
+              <a:t>!actual_next </a:t>
+            </a:r>
+            <a:r>
+              <a:rPr lang="en-GB" sz="2000" b="1" dirty="0">
+                <a:solidFill>
+                  <a:schemeClr val="bg1"/>
+                </a:solidFill>
+              </a:rPr>
+              <a:t>incomplete</a:t>
+            </a:r>
+            <a:r>
+              <a:rPr lang="en-GB" sz="2000" dirty="0">
+                <a:solidFill>
+                  <a:schemeClr val="bg1"/>
+                </a:solidFill>
+              </a:rPr>
+              <a:t> </a:t>
+            </a:r>
+          </a:p>
+          <a:p>
+            <a:r>
+              <a:rPr lang="en-GB" dirty="0">
+                <a:solidFill>
+                  <a:schemeClr val="bg1"/>
+                </a:solidFill>
+              </a:rPr>
+              <a:t>acutal_next != expected_next </a:t>
+            </a:r>
+            <a:r>
               <a:rPr lang="en-GB" b="1" dirty="0">
                 <a:solidFill>
                   <a:schemeClr val="bg1"/>
                 </a:solidFill>
               </a:rPr>
-              <a:t>NEXT_ACTION</a:t>
-            </a:r>
-          </a:p>
-          <a:p>
-            <a:r>
-              <a:rPr lang="en-GB" i="1" dirty="0">
-                <a:solidFill>
-                  <a:schemeClr val="bg1"/>
-                </a:solidFill>
-              </a:rPr>
-              <a:t>Did the Agent route correctly?</a:t>
-            </a:r>
-          </a:p>
-          <a:p>
-            <a:r>
-              <a:rPr lang="en-GB" dirty="0">
-                <a:solidFill>
-                  <a:schemeClr val="bg1"/>
-                </a:solidFill>
-              </a:rPr>
-              <a:t>Used where workflow path accuracy needs to be determined. </a:t>
-            </a:r>
-            <a:r>
-              <a:rPr lang="en-GB" i="1" dirty="0">
-                <a:solidFill>
-                  <a:schemeClr val="bg1"/>
-                </a:solidFill>
-              </a:rPr>
-              <a:t>Did we go off course?</a:t>
+              <a:t>inaccurate</a:t>
             </a:r>
             <a:endParaRPr lang="en-GB" dirty="0">
               <a:solidFill>
@@ -6208,73 +6008,61 @@
               </a:solidFill>
             </a:endParaRPr>
           </a:p>
-          <a:p>
-            <a:pPr lvl="0"/>
-            <a:r>
-              <a:rPr lang="en-GB" dirty="0">
-                <a:solidFill>
-                  <a:schemeClr val="bg1"/>
-                </a:solidFill>
-              </a:rPr>
-              <a:t>actual_next == expected_next </a:t>
-            </a:r>
-            <a:r>
-              <a:rPr lang="en-GB" b="1" dirty="0">
-                <a:solidFill>
-                  <a:schemeClr val="bg1"/>
-                </a:solidFill>
-              </a:rPr>
-              <a:t>accurate</a:t>
-            </a:r>
-            <a:endParaRPr lang="en-GB" dirty="0">
-              <a:solidFill>
-                <a:schemeClr val="bg1"/>
-              </a:solidFill>
-            </a:endParaRPr>
-          </a:p>
-          <a:p>
-            <a:pPr lvl="0"/>
-            <a:r>
-              <a:rPr lang="en-GB" dirty="0">
-                <a:solidFill>
-                  <a:schemeClr val="bg1"/>
-                </a:solidFill>
-              </a:rPr>
-              <a:t>!actual_next </a:t>
-            </a:r>
-            <a:r>
-              <a:rPr lang="en-GB" b="1" dirty="0">
-                <a:solidFill>
-                  <a:schemeClr val="bg1"/>
-                </a:solidFill>
-              </a:rPr>
-              <a:t>incomplete</a:t>
-            </a:r>
-            <a:r>
-              <a:rPr lang="en-GB" dirty="0">
-                <a:solidFill>
-                  <a:schemeClr val="bg1"/>
-                </a:solidFill>
-              </a:rPr>
-              <a:t> </a:t>
-            </a:r>
-          </a:p>
-          <a:p>
-            <a:r>
-              <a:rPr lang="en-GB" dirty="0">
-                <a:solidFill>
-                  <a:schemeClr val="bg1"/>
-                </a:solidFill>
-              </a:rPr>
-              <a:t>acutal_next != expected_next </a:t>
-            </a:r>
-            <a:r>
-              <a:rPr lang="en-GB" b="1" dirty="0">
-                <a:solidFill>
-                  <a:schemeClr val="bg1"/>
-                </a:solidFill>
-              </a:rPr>
-              <a:t>inaccurate</a:t>
+        </p:txBody>
+      </p:sp>
+      <p:sp>
+        <p:nvSpPr>
+          <p:cNvPr id="2" name="TextBox 1">
+            <a:extLst>
+              <a:ext uri="{FF2B5EF4-FFF2-40B4-BE49-F238E27FC236}">
+                <a16:creationId xmlns:a16="http://schemas.microsoft.com/office/drawing/2014/main" id="{7ABDCA88-8187-7E54-04C0-51133BA6C1D4}"/>
+              </a:ext>
+            </a:extLst>
+          </p:cNvPr>
+          <p:cNvSpPr txBox="1"/>
+          <p:nvPr/>
+        </p:nvSpPr>
+        <p:spPr>
+          <a:xfrm>
+            <a:off x="930333" y="4760611"/>
+            <a:ext cx="10671732" cy="707886"/>
+          </a:xfrm>
+          <a:prstGeom prst="rect">
+            <a:avLst/>
+          </a:prstGeom>
+          <a:noFill/>
+        </p:spPr>
+        <p:txBody>
+          <a:bodyPr wrap="square" rtlCol="0">
+            <a:spAutoFit/>
+          </a:bodyPr>
+          <a:lstStyle/>
+          <a:p>
+            <a:r>
+              <a:rPr lang="en-GB" sz="2000" b="1" dirty="0">
+                <a:solidFill>
+                  <a:schemeClr val="bg1"/>
+                </a:solidFill>
+              </a:rPr>
+              <a:t>TRAJECTORY DEGRADATION</a:t>
+            </a:r>
+          </a:p>
+          <a:p>
+            <a:r>
+              <a:rPr lang="en-GB" sz="2000" i="1" dirty="0">
+                <a:solidFill>
+                  <a:schemeClr val="bg1"/>
+                </a:solidFill>
+              </a:rPr>
+              <a:t>How did the result degrade over N </a:t>
+            </a:r>
+            <a:r>
+              <a:rPr lang="en-GB" sz="2000" i="1">
+                <a:solidFill>
+                  <a:schemeClr val="bg1"/>
+                </a:solidFill>
+              </a:rPr>
+              <a:t>tool calls?</a:t>
             </a:r>
             <a:endParaRPr lang="en-GB" dirty="0">
               <a:solidFill>
